--- a/ch09-categorical-analysis.pptx
+++ b/ch09-categorical-analysis.pptx
@@ -19,7 +19,6 @@
     <p:sldId id="267" r:id="rId17"/>
     <p:sldId id="268" r:id="rId18"/>
     <p:sldId id="269" r:id="rId19"/>
-    <p:sldId id="270" r:id="rId20"/>
   </p:sldIdLst>
   <p:sldSz cx="12192000" cy="6858000"/>
   <p:notesSz cx="6858000" cy="9144000"/>
@@ -3629,57 +3628,6 @@
 </p:sld>
 </file>
 
-<file path=ppt/slides/slide15.xml><?xml version="1.0" encoding="utf-8"?>
-<p:sld xmlns:a="http://schemas.openxmlformats.org/drawingml/2006/main" xmlns:r="http://schemas.openxmlformats.org/officeDocument/2006/relationships" xmlns:p="http://schemas.openxmlformats.org/presentationml/2006/main">
-  <p:cSld>
-    <p:spTree>
-      <p:nvGrpSpPr>
-        <p:cNvPr id="1" name=""/>
-        <p:cNvGrpSpPr/>
-        <p:nvPr/>
-      </p:nvGrpSpPr>
-      <p:grpSpPr>
-        <a:xfrm>
-          <a:off x="0" y="0"/>
-          <a:ext cx="0" cy="0"/>
-          <a:chOff x="0" y="0"/>
-          <a:chExt cx="0" cy="0"/>
-        </a:xfrm>
-      </p:grpSpPr>
-      <p:pic xmlns:a="http://schemas.openxmlformats.org/drawingml/2006/main" xmlns:r="http://schemas.openxmlformats.org/officeDocument/2006/relationships" xmlns:p="http://schemas.openxmlformats.org/presentationml/2006/main">
-        <p:nvPicPr>
-          <p:cNvPr id="2" name="" descr=""/>
-          <p:cNvPicPr>
-            <a:picLocks noGrp="1"/>
-          </p:cNvPicPr>
-          <p:nvPr>
-            <p:ph/>
-          </p:nvPr>
-        </p:nvPicPr>
-        <p:blipFill>
-          <a:blip cstate="print" r:embed="rId2"/>
-          <a:stretch>
-            <a:fillRect/>
-          </a:stretch>
-        </p:blipFill>
-        <p:spPr>
-          <a:xfrm>
-            <a:off x="0" y="0"/>
-            <a:ext cx="12192000" cy="6858000"/>
-          </a:xfrm>
-          <a:prstGeom prst="rect">
-            <a:avLst/>
-          </a:prstGeom>
-        </p:spPr>
-      </p:pic>
-    </p:spTree>
-  </p:cSld>
-  <p:clrMapOvr>
-    <a:masterClrMapping/>
-  </p:clrMapOvr>
-</p:sld>
-</file>
-
 <file path=ppt/slides/slide2.xml><?xml version="1.0" encoding="utf-8"?>
 <p:sld xmlns:a="http://schemas.openxmlformats.org/drawingml/2006/main" xmlns:r="http://schemas.openxmlformats.org/officeDocument/2006/relationships" xmlns:p="http://schemas.openxmlformats.org/presentationml/2006/main">
   <p:cSld>
